--- a/xx_Figures/SchemasHydrau.pptx
+++ b/xx_Figures/SchemasHydrau.pptx
@@ -12,6 +12,7 @@
     <p:sldId id="259" r:id="rId6"/>
     <p:sldId id="260" r:id="rId7"/>
     <p:sldId id="261" r:id="rId8"/>
+    <p:sldId id="263" r:id="rId9"/>
   </p:sldIdLst>
   <p:sldSz cx="12192000" cy="6858000"/>
   <p:notesSz cx="6858000" cy="9144000"/>
@@ -276,7 +277,7 @@
           <a:p>
             <a:fld id="{FABB0C5A-5D2A-4847-9651-EFC0F5B3DD65}" type="datetimeFigureOut">
               <a:rPr lang="fr-FR" smtClean="0"/>
-              <a:t>20/02/2024</a:t>
+              <a:t>21/02/2024</a:t>
             </a:fld>
             <a:endParaRPr lang="fr-FR"/>
           </a:p>
@@ -474,7 +475,7 @@
           <a:p>
             <a:fld id="{FABB0C5A-5D2A-4847-9651-EFC0F5B3DD65}" type="datetimeFigureOut">
               <a:rPr lang="fr-FR" smtClean="0"/>
-              <a:t>20/02/2024</a:t>
+              <a:t>21/02/2024</a:t>
             </a:fld>
             <a:endParaRPr lang="fr-FR"/>
           </a:p>
@@ -682,7 +683,7 @@
           <a:p>
             <a:fld id="{FABB0C5A-5D2A-4847-9651-EFC0F5B3DD65}" type="datetimeFigureOut">
               <a:rPr lang="fr-FR" smtClean="0"/>
-              <a:t>20/02/2024</a:t>
+              <a:t>21/02/2024</a:t>
             </a:fld>
             <a:endParaRPr lang="fr-FR"/>
           </a:p>
@@ -880,7 +881,7 @@
           <a:p>
             <a:fld id="{FABB0C5A-5D2A-4847-9651-EFC0F5B3DD65}" type="datetimeFigureOut">
               <a:rPr lang="fr-FR" smtClean="0"/>
-              <a:t>20/02/2024</a:t>
+              <a:t>21/02/2024</a:t>
             </a:fld>
             <a:endParaRPr lang="fr-FR"/>
           </a:p>
@@ -1155,7 +1156,7 @@
           <a:p>
             <a:fld id="{FABB0C5A-5D2A-4847-9651-EFC0F5B3DD65}" type="datetimeFigureOut">
               <a:rPr lang="fr-FR" smtClean="0"/>
-              <a:t>20/02/2024</a:t>
+              <a:t>21/02/2024</a:t>
             </a:fld>
             <a:endParaRPr lang="fr-FR"/>
           </a:p>
@@ -1420,7 +1421,7 @@
           <a:p>
             <a:fld id="{FABB0C5A-5D2A-4847-9651-EFC0F5B3DD65}" type="datetimeFigureOut">
               <a:rPr lang="fr-FR" smtClean="0"/>
-              <a:t>20/02/2024</a:t>
+              <a:t>21/02/2024</a:t>
             </a:fld>
             <a:endParaRPr lang="fr-FR"/>
           </a:p>
@@ -1832,7 +1833,7 @@
           <a:p>
             <a:fld id="{FABB0C5A-5D2A-4847-9651-EFC0F5B3DD65}" type="datetimeFigureOut">
               <a:rPr lang="fr-FR" smtClean="0"/>
-              <a:t>20/02/2024</a:t>
+              <a:t>21/02/2024</a:t>
             </a:fld>
             <a:endParaRPr lang="fr-FR"/>
           </a:p>
@@ -1973,7 +1974,7 @@
           <a:p>
             <a:fld id="{FABB0C5A-5D2A-4847-9651-EFC0F5B3DD65}" type="datetimeFigureOut">
               <a:rPr lang="fr-FR" smtClean="0"/>
-              <a:t>20/02/2024</a:t>
+              <a:t>21/02/2024</a:t>
             </a:fld>
             <a:endParaRPr lang="fr-FR"/>
           </a:p>
@@ -2086,7 +2087,7 @@
           <a:p>
             <a:fld id="{FABB0C5A-5D2A-4847-9651-EFC0F5B3DD65}" type="datetimeFigureOut">
               <a:rPr lang="fr-FR" smtClean="0"/>
-              <a:t>20/02/2024</a:t>
+              <a:t>21/02/2024</a:t>
             </a:fld>
             <a:endParaRPr lang="fr-FR"/>
           </a:p>
@@ -2397,7 +2398,7 @@
           <a:p>
             <a:fld id="{FABB0C5A-5D2A-4847-9651-EFC0F5B3DD65}" type="datetimeFigureOut">
               <a:rPr lang="fr-FR" smtClean="0"/>
-              <a:t>20/02/2024</a:t>
+              <a:t>21/02/2024</a:t>
             </a:fld>
             <a:endParaRPr lang="fr-FR"/>
           </a:p>
@@ -2685,7 +2686,7 @@
           <a:p>
             <a:fld id="{FABB0C5A-5D2A-4847-9651-EFC0F5B3DD65}" type="datetimeFigureOut">
               <a:rPr lang="fr-FR" smtClean="0"/>
-              <a:t>20/02/2024</a:t>
+              <a:t>21/02/2024</a:t>
             </a:fld>
             <a:endParaRPr lang="fr-FR"/>
           </a:p>
@@ -2926,7 +2927,7 @@
           <a:p>
             <a:fld id="{FABB0C5A-5D2A-4847-9651-EFC0F5B3DD65}" type="datetimeFigureOut">
               <a:rPr lang="fr-FR" smtClean="0"/>
-              <a:t>20/02/2024</a:t>
+              <a:t>21/02/2024</a:t>
             </a:fld>
             <a:endParaRPr lang="fr-FR"/>
           </a:p>
@@ -12818,54 +12819,6 @@
       </p:sp>
       <p:cxnSp>
         <p:nvCxnSpPr>
-          <p:cNvPr id="79" name="Connecteur droit 78">
-            <a:extLst>
-              <a:ext uri="{FF2B5EF4-FFF2-40B4-BE49-F238E27FC236}">
-                <a16:creationId xmlns:a16="http://schemas.microsoft.com/office/drawing/2014/main" id="{E1C7D974-34F7-76C2-6154-966137FD689C}"/>
-              </a:ext>
-            </a:extLst>
-          </p:cNvPr>
-          <p:cNvCxnSpPr>
-            <a:cxnSpLocks/>
-          </p:cNvCxnSpPr>
-          <p:nvPr/>
-        </p:nvCxnSpPr>
-        <p:spPr>
-          <a:xfrm flipV="1">
-            <a:off x="3508375" y="1465869"/>
-            <a:ext cx="0" cy="720244"/>
-          </a:xfrm>
-          <a:prstGeom prst="line">
-            <a:avLst/>
-          </a:prstGeom>
-          <a:noFill/>
-          <a:ln w="28575">
-            <a:solidFill>
-              <a:srgbClr val="C00000"/>
-            </a:solidFill>
-            <a:headEnd type="none" w="med" len="med"/>
-            <a:tailEnd type="stealth" w="med" len="lg"/>
-          </a:ln>
-        </p:spPr>
-        <p:style>
-          <a:lnRef idx="2">
-            <a:schemeClr val="accent1">
-              <a:shade val="15000"/>
-            </a:schemeClr>
-          </a:lnRef>
-          <a:fillRef idx="1">
-            <a:schemeClr val="accent1"/>
-          </a:fillRef>
-          <a:effectRef idx="0">
-            <a:schemeClr val="accent1"/>
-          </a:effectRef>
-          <a:fontRef idx="minor">
-            <a:schemeClr val="lt1"/>
-          </a:fontRef>
-        </p:style>
-      </p:cxnSp>
-      <p:cxnSp>
-        <p:nvCxnSpPr>
           <p:cNvPr id="81" name="Connecteur droit 80">
             <a:extLst>
               <a:ext uri="{FF2B5EF4-FFF2-40B4-BE49-F238E27FC236}">
@@ -12946,6 +12899,1352 @@
     <p:extLst>
       <p:ext uri="{BB962C8B-B14F-4D97-AF65-F5344CB8AC3E}">
         <p14:creationId xmlns:p14="http://schemas.microsoft.com/office/powerpoint/2010/main" val="1897232955"/>
+      </p:ext>
+    </p:extLst>
+  </p:cSld>
+  <p:clrMapOvr>
+    <a:masterClrMapping/>
+  </p:clrMapOvr>
+</p:sld>
+</file>
+
+<file path=ppt/slides/slide8.xml><?xml version="1.0" encoding="utf-8"?>
+<p:sld xmlns:a="http://schemas.openxmlformats.org/drawingml/2006/main" xmlns:r="http://schemas.openxmlformats.org/officeDocument/2006/relationships" xmlns:p="http://schemas.openxmlformats.org/presentationml/2006/main">
+  <p:cSld>
+    <p:spTree>
+      <p:nvGrpSpPr>
+        <p:cNvPr id="1" name="">
+          <a:extLst>
+            <a:ext uri="{FF2B5EF4-FFF2-40B4-BE49-F238E27FC236}">
+              <a16:creationId xmlns:a16="http://schemas.microsoft.com/office/drawing/2014/main" id="{CCE8016A-0070-EA67-CBA8-49D44C854219}"/>
+            </a:ext>
+          </a:extLst>
+        </p:cNvPr>
+        <p:cNvGrpSpPr/>
+        <p:nvPr/>
+      </p:nvGrpSpPr>
+      <p:grpSpPr>
+        <a:xfrm>
+          <a:off x="0" y="0"/>
+          <a:ext cx="0" cy="0"/>
+          <a:chOff x="0" y="0"/>
+          <a:chExt cx="0" cy="0"/>
+        </a:xfrm>
+      </p:grpSpPr>
+      <p:sp>
+        <p:nvSpPr>
+          <p:cNvPr id="4" name="Rectangle 3">
+            <a:extLst>
+              <a:ext uri="{FF2B5EF4-FFF2-40B4-BE49-F238E27FC236}">
+                <a16:creationId xmlns:a16="http://schemas.microsoft.com/office/drawing/2014/main" id="{274059EA-6714-00F3-82BF-158A4866B83F}"/>
+              </a:ext>
+            </a:extLst>
+          </p:cNvPr>
+          <p:cNvSpPr/>
+          <p:nvPr/>
+        </p:nvSpPr>
+        <p:spPr>
+          <a:xfrm rot="5400000">
+            <a:off x="3642712" y="1709711"/>
+            <a:ext cx="720887" cy="720000"/>
+          </a:xfrm>
+          <a:prstGeom prst="rect">
+            <a:avLst/>
+          </a:prstGeom>
+          <a:noFill/>
+          <a:ln w="28575">
+            <a:solidFill>
+              <a:schemeClr val="tx2"/>
+            </a:solidFill>
+          </a:ln>
+        </p:spPr>
+        <p:style>
+          <a:lnRef idx="2">
+            <a:schemeClr val="accent1">
+              <a:shade val="15000"/>
+            </a:schemeClr>
+          </a:lnRef>
+          <a:fillRef idx="1">
+            <a:schemeClr val="accent1"/>
+          </a:fillRef>
+          <a:effectRef idx="0">
+            <a:schemeClr val="accent1"/>
+          </a:effectRef>
+          <a:fontRef idx="minor">
+            <a:schemeClr val="lt1"/>
+          </a:fontRef>
+        </p:style>
+        <p:txBody>
+          <a:bodyPr rtlCol="0" anchor="ctr"/>
+          <a:lstStyle/>
+          <a:p>
+            <a:pPr algn="ctr"/>
+            <a:endParaRPr lang="fr-FR" dirty="0"/>
+          </a:p>
+        </p:txBody>
+      </p:sp>
+      <p:sp>
+        <p:nvSpPr>
+          <p:cNvPr id="6" name="Rectangle 5">
+            <a:extLst>
+              <a:ext uri="{FF2B5EF4-FFF2-40B4-BE49-F238E27FC236}">
+                <a16:creationId xmlns:a16="http://schemas.microsoft.com/office/drawing/2014/main" id="{06A1DCFA-1E64-989A-A070-80C7A4CFBD76}"/>
+              </a:ext>
+            </a:extLst>
+          </p:cNvPr>
+          <p:cNvSpPr/>
+          <p:nvPr/>
+        </p:nvSpPr>
+        <p:spPr>
+          <a:xfrm rot="5400000">
+            <a:off x="3913155" y="3151042"/>
+            <a:ext cx="180000" cy="180000"/>
+          </a:xfrm>
+          <a:prstGeom prst="rect">
+            <a:avLst/>
+          </a:prstGeom>
+          <a:noFill/>
+          <a:ln w="28575">
+            <a:solidFill>
+              <a:schemeClr val="tx2"/>
+            </a:solidFill>
+          </a:ln>
+        </p:spPr>
+        <p:style>
+          <a:lnRef idx="2">
+            <a:schemeClr val="accent1">
+              <a:shade val="15000"/>
+            </a:schemeClr>
+          </a:lnRef>
+          <a:fillRef idx="1">
+            <a:schemeClr val="accent1"/>
+          </a:fillRef>
+          <a:effectRef idx="0">
+            <a:schemeClr val="accent1"/>
+          </a:effectRef>
+          <a:fontRef idx="minor">
+            <a:schemeClr val="lt1"/>
+          </a:fontRef>
+        </p:style>
+        <p:txBody>
+          <a:bodyPr rtlCol="0" anchor="ctr"/>
+          <a:lstStyle/>
+          <a:p>
+            <a:pPr algn="ctr"/>
+            <a:endParaRPr lang="fr-FR"/>
+          </a:p>
+        </p:txBody>
+      </p:sp>
+      <p:sp>
+        <p:nvSpPr>
+          <p:cNvPr id="9" name="Rectangle 8">
+            <a:extLst>
+              <a:ext uri="{FF2B5EF4-FFF2-40B4-BE49-F238E27FC236}">
+                <a16:creationId xmlns:a16="http://schemas.microsoft.com/office/drawing/2014/main" id="{0944C436-83BD-7043-21FB-45BAB9031CE8}"/>
+              </a:ext>
+            </a:extLst>
+          </p:cNvPr>
+          <p:cNvSpPr/>
+          <p:nvPr/>
+        </p:nvSpPr>
+        <p:spPr>
+          <a:xfrm rot="5400000">
+            <a:off x="3642712" y="2430599"/>
+            <a:ext cx="720887" cy="720000"/>
+          </a:xfrm>
+          <a:prstGeom prst="rect">
+            <a:avLst/>
+          </a:prstGeom>
+          <a:noFill/>
+          <a:ln w="28575">
+            <a:solidFill>
+              <a:schemeClr val="tx2"/>
+            </a:solidFill>
+          </a:ln>
+        </p:spPr>
+        <p:style>
+          <a:lnRef idx="2">
+            <a:schemeClr val="accent1">
+              <a:shade val="15000"/>
+            </a:schemeClr>
+          </a:lnRef>
+          <a:fillRef idx="1">
+            <a:schemeClr val="accent1"/>
+          </a:fillRef>
+          <a:effectRef idx="0">
+            <a:schemeClr val="accent1"/>
+          </a:effectRef>
+          <a:fontRef idx="minor">
+            <a:schemeClr val="lt1"/>
+          </a:fontRef>
+        </p:style>
+        <p:txBody>
+          <a:bodyPr rtlCol="0" anchor="ctr"/>
+          <a:lstStyle/>
+          <a:p>
+            <a:pPr algn="ctr"/>
+            <a:endParaRPr lang="fr-FR"/>
+          </a:p>
+        </p:txBody>
+      </p:sp>
+      <p:cxnSp>
+        <p:nvCxnSpPr>
+          <p:cNvPr id="19" name="Connecteur droit 18">
+            <a:extLst>
+              <a:ext uri="{FF2B5EF4-FFF2-40B4-BE49-F238E27FC236}">
+                <a16:creationId xmlns:a16="http://schemas.microsoft.com/office/drawing/2014/main" id="{5CE9C89C-42DB-7817-D820-ADD964BCDCC0}"/>
+              </a:ext>
+            </a:extLst>
+          </p:cNvPr>
+          <p:cNvCxnSpPr>
+            <a:cxnSpLocks/>
+          </p:cNvCxnSpPr>
+          <p:nvPr/>
+        </p:nvCxnSpPr>
+        <p:spPr>
+          <a:xfrm flipH="1">
+            <a:off x="2652813" y="2069711"/>
+            <a:ext cx="989854" cy="0"/>
+          </a:xfrm>
+          <a:prstGeom prst="line">
+            <a:avLst/>
+          </a:prstGeom>
+          <a:noFill/>
+          <a:ln w="28575">
+            <a:solidFill>
+              <a:schemeClr val="tx2"/>
+            </a:solidFill>
+          </a:ln>
+        </p:spPr>
+        <p:style>
+          <a:lnRef idx="2">
+            <a:schemeClr val="accent1">
+              <a:shade val="15000"/>
+            </a:schemeClr>
+          </a:lnRef>
+          <a:fillRef idx="1">
+            <a:schemeClr val="accent1"/>
+          </a:fillRef>
+          <a:effectRef idx="0">
+            <a:schemeClr val="accent1"/>
+          </a:effectRef>
+          <a:fontRef idx="minor">
+            <a:schemeClr val="lt1"/>
+          </a:fontRef>
+        </p:style>
+      </p:cxnSp>
+      <p:cxnSp>
+        <p:nvCxnSpPr>
+          <p:cNvPr id="27" name="Connecteur droit 26">
+            <a:extLst>
+              <a:ext uri="{FF2B5EF4-FFF2-40B4-BE49-F238E27FC236}">
+                <a16:creationId xmlns:a16="http://schemas.microsoft.com/office/drawing/2014/main" id="{29BCCE33-1DD9-FA07-2096-007C7CCBB51C}"/>
+              </a:ext>
+            </a:extLst>
+          </p:cNvPr>
+          <p:cNvCxnSpPr>
+            <a:cxnSpLocks/>
+          </p:cNvCxnSpPr>
+          <p:nvPr/>
+        </p:nvCxnSpPr>
+        <p:spPr>
+          <a:xfrm flipH="1">
+            <a:off x="4363156" y="2069711"/>
+            <a:ext cx="888924" cy="0"/>
+          </a:xfrm>
+          <a:prstGeom prst="line">
+            <a:avLst/>
+          </a:prstGeom>
+          <a:noFill/>
+          <a:ln w="28575">
+            <a:solidFill>
+              <a:schemeClr val="tx2"/>
+            </a:solidFill>
+          </a:ln>
+        </p:spPr>
+        <p:style>
+          <a:lnRef idx="2">
+            <a:schemeClr val="accent1">
+              <a:shade val="15000"/>
+            </a:schemeClr>
+          </a:lnRef>
+          <a:fillRef idx="1">
+            <a:schemeClr val="accent1"/>
+          </a:fillRef>
+          <a:effectRef idx="0">
+            <a:schemeClr val="accent1"/>
+          </a:effectRef>
+          <a:fontRef idx="minor">
+            <a:schemeClr val="lt1"/>
+          </a:fontRef>
+        </p:style>
+      </p:cxnSp>
+      <p:grpSp>
+        <p:nvGrpSpPr>
+          <p:cNvPr id="38" name="Groupe 37">
+            <a:extLst>
+              <a:ext uri="{FF2B5EF4-FFF2-40B4-BE49-F238E27FC236}">
+                <a16:creationId xmlns:a16="http://schemas.microsoft.com/office/drawing/2014/main" id="{10ED48A7-9755-670E-64CB-A83D4A9C30EC}"/>
+              </a:ext>
+            </a:extLst>
+          </p:cNvPr>
+          <p:cNvGrpSpPr/>
+          <p:nvPr/>
+        </p:nvGrpSpPr>
+        <p:grpSpPr>
+          <a:xfrm>
+            <a:off x="1762127" y="544770"/>
+            <a:ext cx="4273383" cy="720000"/>
+            <a:chOff x="5350560" y="544770"/>
+            <a:chExt cx="4273383" cy="720000"/>
+          </a:xfrm>
+        </p:grpSpPr>
+        <p:sp>
+          <p:nvSpPr>
+            <p:cNvPr id="35" name="Rectangle 34">
+              <a:extLst>
+                <a:ext uri="{FF2B5EF4-FFF2-40B4-BE49-F238E27FC236}">
+                  <a16:creationId xmlns:a16="http://schemas.microsoft.com/office/drawing/2014/main" id="{283A7823-5FE7-2EBD-978F-F724D93CC508}"/>
+                </a:ext>
+              </a:extLst>
+            </p:cNvPr>
+            <p:cNvSpPr/>
+            <p:nvPr/>
+          </p:nvSpPr>
+          <p:spPr>
+            <a:xfrm>
+              <a:off x="6096000" y="544770"/>
+              <a:ext cx="2878397" cy="720000"/>
+            </a:xfrm>
+            <a:prstGeom prst="rect">
+              <a:avLst/>
+            </a:prstGeom>
+            <a:noFill/>
+            <a:ln w="28575">
+              <a:solidFill>
+                <a:schemeClr val="tx2"/>
+              </a:solidFill>
+            </a:ln>
+          </p:spPr>
+          <p:style>
+            <a:lnRef idx="2">
+              <a:schemeClr val="accent1">
+                <a:shade val="15000"/>
+              </a:schemeClr>
+            </a:lnRef>
+            <a:fillRef idx="1">
+              <a:schemeClr val="accent1"/>
+            </a:fillRef>
+            <a:effectRef idx="0">
+              <a:schemeClr val="accent1"/>
+            </a:effectRef>
+            <a:fontRef idx="minor">
+              <a:schemeClr val="lt1"/>
+            </a:fontRef>
+          </p:style>
+          <p:txBody>
+            <a:bodyPr rtlCol="0" anchor="ctr"/>
+            <a:lstStyle/>
+            <a:p>
+              <a:pPr algn="ctr"/>
+              <a:endParaRPr lang="fr-FR" dirty="0"/>
+            </a:p>
+          </p:txBody>
+        </p:sp>
+        <p:sp>
+          <p:nvSpPr>
+            <p:cNvPr id="36" name="Rectangle 35">
+              <a:extLst>
+                <a:ext uri="{FF2B5EF4-FFF2-40B4-BE49-F238E27FC236}">
+                  <a16:creationId xmlns:a16="http://schemas.microsoft.com/office/drawing/2014/main" id="{001B99BE-3673-ADED-8AE8-B4C9FDD150D0}"/>
+                </a:ext>
+              </a:extLst>
+            </p:cNvPr>
+            <p:cNvSpPr/>
+            <p:nvPr/>
+          </p:nvSpPr>
+          <p:spPr>
+            <a:xfrm>
+              <a:off x="6745547" y="544770"/>
+              <a:ext cx="144000" cy="720000"/>
+            </a:xfrm>
+            <a:prstGeom prst="rect">
+              <a:avLst/>
+            </a:prstGeom>
+            <a:noFill/>
+            <a:ln w="28575">
+              <a:solidFill>
+                <a:schemeClr val="tx2"/>
+              </a:solidFill>
+            </a:ln>
+          </p:spPr>
+          <p:style>
+            <a:lnRef idx="2">
+              <a:schemeClr val="accent1">
+                <a:shade val="15000"/>
+              </a:schemeClr>
+            </a:lnRef>
+            <a:fillRef idx="1">
+              <a:schemeClr val="accent1"/>
+            </a:fillRef>
+            <a:effectRef idx="0">
+              <a:schemeClr val="accent1"/>
+            </a:effectRef>
+            <a:fontRef idx="minor">
+              <a:schemeClr val="lt1"/>
+            </a:fontRef>
+          </p:style>
+          <p:txBody>
+            <a:bodyPr rtlCol="0" anchor="ctr"/>
+            <a:lstStyle/>
+            <a:p>
+              <a:pPr algn="ctr"/>
+              <a:endParaRPr lang="fr-FR" dirty="0"/>
+            </a:p>
+          </p:txBody>
+        </p:sp>
+        <p:sp>
+          <p:nvSpPr>
+            <p:cNvPr id="37" name="Rectangle 36">
+              <a:extLst>
+                <a:ext uri="{FF2B5EF4-FFF2-40B4-BE49-F238E27FC236}">
+                  <a16:creationId xmlns:a16="http://schemas.microsoft.com/office/drawing/2014/main" id="{3E0D752A-DC40-7E2E-3977-0C00EB4DB714}"/>
+                </a:ext>
+              </a:extLst>
+            </p:cNvPr>
+            <p:cNvSpPr/>
+            <p:nvPr/>
+          </p:nvSpPr>
+          <p:spPr>
+            <a:xfrm>
+              <a:off x="6889546" y="832770"/>
+              <a:ext cx="2734397" cy="144000"/>
+            </a:xfrm>
+            <a:prstGeom prst="rect">
+              <a:avLst/>
+            </a:prstGeom>
+            <a:solidFill>
+              <a:schemeClr val="bg1"/>
+            </a:solidFill>
+            <a:ln w="28575">
+              <a:solidFill>
+                <a:schemeClr val="tx2"/>
+              </a:solidFill>
+            </a:ln>
+          </p:spPr>
+          <p:style>
+            <a:lnRef idx="2">
+              <a:schemeClr val="accent1">
+                <a:shade val="15000"/>
+              </a:schemeClr>
+            </a:lnRef>
+            <a:fillRef idx="1">
+              <a:schemeClr val="accent1"/>
+            </a:fillRef>
+            <a:effectRef idx="0">
+              <a:schemeClr val="accent1"/>
+            </a:effectRef>
+            <a:fontRef idx="minor">
+              <a:schemeClr val="lt1"/>
+            </a:fontRef>
+          </p:style>
+          <p:txBody>
+            <a:bodyPr rtlCol="0" anchor="ctr"/>
+            <a:lstStyle/>
+            <a:p>
+              <a:pPr algn="ctr"/>
+              <a:endParaRPr lang="fr-FR" dirty="0"/>
+            </a:p>
+          </p:txBody>
+        </p:sp>
+        <p:sp>
+          <p:nvSpPr>
+            <p:cNvPr id="2" name="Rectangle 1">
+              <a:extLst>
+                <a:ext uri="{FF2B5EF4-FFF2-40B4-BE49-F238E27FC236}">
+                  <a16:creationId xmlns:a16="http://schemas.microsoft.com/office/drawing/2014/main" id="{A791AB70-60D4-3E76-4E18-AAD1017C89CD}"/>
+                </a:ext>
+              </a:extLst>
+            </p:cNvPr>
+            <p:cNvSpPr/>
+            <p:nvPr/>
+          </p:nvSpPr>
+          <p:spPr>
+            <a:xfrm>
+              <a:off x="5350560" y="831857"/>
+              <a:ext cx="1394986" cy="144000"/>
+            </a:xfrm>
+            <a:prstGeom prst="rect">
+              <a:avLst/>
+            </a:prstGeom>
+            <a:solidFill>
+              <a:schemeClr val="bg1"/>
+            </a:solidFill>
+            <a:ln w="28575">
+              <a:solidFill>
+                <a:schemeClr val="tx2"/>
+              </a:solidFill>
+            </a:ln>
+          </p:spPr>
+          <p:style>
+            <a:lnRef idx="2">
+              <a:schemeClr val="accent1">
+                <a:shade val="15000"/>
+              </a:schemeClr>
+            </a:lnRef>
+            <a:fillRef idx="1">
+              <a:schemeClr val="accent1"/>
+            </a:fillRef>
+            <a:effectRef idx="0">
+              <a:schemeClr val="accent1"/>
+            </a:effectRef>
+            <a:fontRef idx="minor">
+              <a:schemeClr val="lt1"/>
+            </a:fontRef>
+          </p:style>
+          <p:txBody>
+            <a:bodyPr rtlCol="0" anchor="ctr"/>
+            <a:lstStyle/>
+            <a:p>
+              <a:pPr algn="ctr"/>
+              <a:endParaRPr lang="fr-FR" dirty="0"/>
+            </a:p>
+          </p:txBody>
+        </p:sp>
+      </p:grpSp>
+      <p:cxnSp>
+        <p:nvCxnSpPr>
+          <p:cNvPr id="40" name="Connecteur droit 39">
+            <a:extLst>
+              <a:ext uri="{FF2B5EF4-FFF2-40B4-BE49-F238E27FC236}">
+                <a16:creationId xmlns:a16="http://schemas.microsoft.com/office/drawing/2014/main" id="{0C15C775-A641-5757-A946-0BEE8B662836}"/>
+              </a:ext>
+            </a:extLst>
+          </p:cNvPr>
+          <p:cNvCxnSpPr>
+            <a:cxnSpLocks/>
+          </p:cNvCxnSpPr>
+          <p:nvPr/>
+        </p:nvCxnSpPr>
+        <p:spPr>
+          <a:xfrm>
+            <a:off x="2652813" y="1264770"/>
+            <a:ext cx="0" cy="804941"/>
+          </a:xfrm>
+          <a:prstGeom prst="line">
+            <a:avLst/>
+          </a:prstGeom>
+          <a:noFill/>
+          <a:ln w="28575">
+            <a:solidFill>
+              <a:schemeClr val="tx2"/>
+            </a:solidFill>
+          </a:ln>
+        </p:spPr>
+        <p:style>
+          <a:lnRef idx="2">
+            <a:schemeClr val="accent1">
+              <a:shade val="15000"/>
+            </a:schemeClr>
+          </a:lnRef>
+          <a:fillRef idx="1">
+            <a:schemeClr val="accent1"/>
+          </a:fillRef>
+          <a:effectRef idx="0">
+            <a:schemeClr val="accent1"/>
+          </a:effectRef>
+          <a:fontRef idx="minor">
+            <a:schemeClr val="lt1"/>
+          </a:fontRef>
+        </p:style>
+      </p:cxnSp>
+      <p:cxnSp>
+        <p:nvCxnSpPr>
+          <p:cNvPr id="41" name="Connecteur droit 40">
+            <a:extLst>
+              <a:ext uri="{FF2B5EF4-FFF2-40B4-BE49-F238E27FC236}">
+                <a16:creationId xmlns:a16="http://schemas.microsoft.com/office/drawing/2014/main" id="{2E7578EF-4C2F-8D44-2CEB-C5401D286ECF}"/>
+              </a:ext>
+            </a:extLst>
+          </p:cNvPr>
+          <p:cNvCxnSpPr>
+            <a:cxnSpLocks/>
+          </p:cNvCxnSpPr>
+          <p:nvPr/>
+        </p:nvCxnSpPr>
+        <p:spPr>
+          <a:xfrm>
+            <a:off x="5252080" y="1264770"/>
+            <a:ext cx="0" cy="804941"/>
+          </a:xfrm>
+          <a:prstGeom prst="line">
+            <a:avLst/>
+          </a:prstGeom>
+          <a:noFill/>
+          <a:ln w="28575">
+            <a:solidFill>
+              <a:schemeClr val="tx2"/>
+            </a:solidFill>
+          </a:ln>
+        </p:spPr>
+        <p:style>
+          <a:lnRef idx="2">
+            <a:schemeClr val="accent1">
+              <a:shade val="15000"/>
+            </a:schemeClr>
+          </a:lnRef>
+          <a:fillRef idx="1">
+            <a:schemeClr val="accent1"/>
+          </a:fillRef>
+          <a:effectRef idx="0">
+            <a:schemeClr val="accent1"/>
+          </a:effectRef>
+          <a:fontRef idx="minor">
+            <a:schemeClr val="lt1"/>
+          </a:fontRef>
+        </p:style>
+      </p:cxnSp>
+      <p:grpSp>
+        <p:nvGrpSpPr>
+          <p:cNvPr id="16" name="Groupe 15">
+            <a:extLst>
+              <a:ext uri="{FF2B5EF4-FFF2-40B4-BE49-F238E27FC236}">
+                <a16:creationId xmlns:a16="http://schemas.microsoft.com/office/drawing/2014/main" id="{A3D772A6-2B56-73EA-6E34-A7774A95B1BE}"/>
+              </a:ext>
+            </a:extLst>
+          </p:cNvPr>
+          <p:cNvGrpSpPr/>
+          <p:nvPr/>
+        </p:nvGrpSpPr>
+        <p:grpSpPr>
+          <a:xfrm>
+            <a:off x="3931155" y="1512235"/>
+            <a:ext cx="144000" cy="188598"/>
+            <a:chOff x="3913155" y="1458673"/>
+            <a:chExt cx="144000" cy="259193"/>
+          </a:xfrm>
+        </p:grpSpPr>
+        <p:grpSp>
+          <p:nvGrpSpPr>
+            <p:cNvPr id="12" name="Groupe 11">
+              <a:extLst>
+                <a:ext uri="{FF2B5EF4-FFF2-40B4-BE49-F238E27FC236}">
+                  <a16:creationId xmlns:a16="http://schemas.microsoft.com/office/drawing/2014/main" id="{4CEB7986-AC90-4E0E-78BF-F08E73B184E6}"/>
+                </a:ext>
+              </a:extLst>
+            </p:cNvPr>
+            <p:cNvGrpSpPr/>
+            <p:nvPr/>
+          </p:nvGrpSpPr>
+          <p:grpSpPr>
+            <a:xfrm>
+              <a:off x="3913155" y="1583507"/>
+              <a:ext cx="144000" cy="134359"/>
+              <a:chOff x="4524222" y="1706092"/>
+              <a:chExt cx="144000" cy="134359"/>
+            </a:xfrm>
+          </p:grpSpPr>
+          <p:cxnSp>
+            <p:nvCxnSpPr>
+              <p:cNvPr id="3" name="Connecteur droit 2">
+                <a:extLst>
+                  <a:ext uri="{FF2B5EF4-FFF2-40B4-BE49-F238E27FC236}">
+                    <a16:creationId xmlns:a16="http://schemas.microsoft.com/office/drawing/2014/main" id="{B939BD08-2936-4119-932D-DB9E1B177A0E}"/>
+                  </a:ext>
+                </a:extLst>
+              </p:cNvPr>
+              <p:cNvCxnSpPr>
+                <a:cxnSpLocks/>
+              </p:cNvCxnSpPr>
+              <p:nvPr/>
+            </p:nvCxnSpPr>
+            <p:spPr>
+              <a:xfrm rot="5400000">
+                <a:off x="4560222" y="1670092"/>
+                <a:ext cx="72000" cy="144000"/>
+              </a:xfrm>
+              <a:prstGeom prst="line">
+                <a:avLst/>
+              </a:prstGeom>
+              <a:noFill/>
+              <a:ln w="28575">
+                <a:solidFill>
+                  <a:schemeClr val="tx2"/>
+                </a:solidFill>
+              </a:ln>
+            </p:spPr>
+            <p:style>
+              <a:lnRef idx="2">
+                <a:schemeClr val="accent1">
+                  <a:shade val="15000"/>
+                </a:schemeClr>
+              </a:lnRef>
+              <a:fillRef idx="1">
+                <a:schemeClr val="accent1"/>
+              </a:fillRef>
+              <a:effectRef idx="0">
+                <a:schemeClr val="accent1"/>
+              </a:effectRef>
+              <a:fontRef idx="minor">
+                <a:schemeClr val="lt1"/>
+              </a:fontRef>
+            </p:style>
+          </p:cxnSp>
+          <p:cxnSp>
+            <p:nvCxnSpPr>
+              <p:cNvPr id="7" name="Connecteur droit 6">
+                <a:extLst>
+                  <a:ext uri="{FF2B5EF4-FFF2-40B4-BE49-F238E27FC236}">
+                    <a16:creationId xmlns:a16="http://schemas.microsoft.com/office/drawing/2014/main" id="{1BBF04C1-0DF8-4F88-5D2A-1DECF4FD9CC8}"/>
+                  </a:ext>
+                </a:extLst>
+              </p:cNvPr>
+              <p:cNvCxnSpPr>
+                <a:cxnSpLocks/>
+              </p:cNvCxnSpPr>
+              <p:nvPr/>
+            </p:nvCxnSpPr>
+            <p:spPr>
+              <a:xfrm rot="16200000" flipH="1">
+                <a:off x="4560222" y="1732451"/>
+                <a:ext cx="72000" cy="144000"/>
+              </a:xfrm>
+              <a:prstGeom prst="line">
+                <a:avLst/>
+              </a:prstGeom>
+              <a:noFill/>
+              <a:ln w="28575">
+                <a:solidFill>
+                  <a:schemeClr val="tx2"/>
+                </a:solidFill>
+              </a:ln>
+            </p:spPr>
+            <p:style>
+              <a:lnRef idx="2">
+                <a:schemeClr val="accent1">
+                  <a:shade val="15000"/>
+                </a:schemeClr>
+              </a:lnRef>
+              <a:fillRef idx="1">
+                <a:schemeClr val="accent1"/>
+              </a:fillRef>
+              <a:effectRef idx="0">
+                <a:schemeClr val="accent1"/>
+              </a:effectRef>
+              <a:fontRef idx="minor">
+                <a:schemeClr val="lt1"/>
+              </a:fontRef>
+            </p:style>
+          </p:cxnSp>
+        </p:grpSp>
+        <p:grpSp>
+          <p:nvGrpSpPr>
+            <p:cNvPr id="13" name="Groupe 12">
+              <a:extLst>
+                <a:ext uri="{FF2B5EF4-FFF2-40B4-BE49-F238E27FC236}">
+                  <a16:creationId xmlns:a16="http://schemas.microsoft.com/office/drawing/2014/main" id="{63619CA1-A05D-D2F9-C425-CA60CB3F5FFA}"/>
+                </a:ext>
+              </a:extLst>
+            </p:cNvPr>
+            <p:cNvGrpSpPr/>
+            <p:nvPr/>
+          </p:nvGrpSpPr>
+          <p:grpSpPr>
+            <a:xfrm>
+              <a:off x="3913155" y="1458673"/>
+              <a:ext cx="144000" cy="134359"/>
+              <a:chOff x="4524222" y="1706092"/>
+              <a:chExt cx="144000" cy="134359"/>
+            </a:xfrm>
+          </p:grpSpPr>
+          <p:cxnSp>
+            <p:nvCxnSpPr>
+              <p:cNvPr id="14" name="Connecteur droit 13">
+                <a:extLst>
+                  <a:ext uri="{FF2B5EF4-FFF2-40B4-BE49-F238E27FC236}">
+                    <a16:creationId xmlns:a16="http://schemas.microsoft.com/office/drawing/2014/main" id="{C685A587-4413-D2CD-1043-1DBBC4D47832}"/>
+                  </a:ext>
+                </a:extLst>
+              </p:cNvPr>
+              <p:cNvCxnSpPr>
+                <a:cxnSpLocks/>
+              </p:cNvCxnSpPr>
+              <p:nvPr/>
+            </p:nvCxnSpPr>
+            <p:spPr>
+              <a:xfrm rot="5400000">
+                <a:off x="4560222" y="1670092"/>
+                <a:ext cx="72000" cy="144000"/>
+              </a:xfrm>
+              <a:prstGeom prst="line">
+                <a:avLst/>
+              </a:prstGeom>
+              <a:noFill/>
+              <a:ln w="28575">
+                <a:solidFill>
+                  <a:schemeClr val="tx2"/>
+                </a:solidFill>
+              </a:ln>
+            </p:spPr>
+            <p:style>
+              <a:lnRef idx="2">
+                <a:schemeClr val="accent1">
+                  <a:shade val="15000"/>
+                </a:schemeClr>
+              </a:lnRef>
+              <a:fillRef idx="1">
+                <a:schemeClr val="accent1"/>
+              </a:fillRef>
+              <a:effectRef idx="0">
+                <a:schemeClr val="accent1"/>
+              </a:effectRef>
+              <a:fontRef idx="minor">
+                <a:schemeClr val="lt1"/>
+              </a:fontRef>
+            </p:style>
+          </p:cxnSp>
+          <p:cxnSp>
+            <p:nvCxnSpPr>
+              <p:cNvPr id="15" name="Connecteur droit 14">
+                <a:extLst>
+                  <a:ext uri="{FF2B5EF4-FFF2-40B4-BE49-F238E27FC236}">
+                    <a16:creationId xmlns:a16="http://schemas.microsoft.com/office/drawing/2014/main" id="{8E3C7029-AD01-5D1C-908D-46BE161F8470}"/>
+                  </a:ext>
+                </a:extLst>
+              </p:cNvPr>
+              <p:cNvCxnSpPr>
+                <a:cxnSpLocks/>
+              </p:cNvCxnSpPr>
+              <p:nvPr/>
+            </p:nvCxnSpPr>
+            <p:spPr>
+              <a:xfrm rot="16200000" flipH="1">
+                <a:off x="4560222" y="1732451"/>
+                <a:ext cx="72000" cy="144000"/>
+              </a:xfrm>
+              <a:prstGeom prst="line">
+                <a:avLst/>
+              </a:prstGeom>
+              <a:noFill/>
+              <a:ln w="28575">
+                <a:solidFill>
+                  <a:schemeClr val="tx2"/>
+                </a:solidFill>
+              </a:ln>
+            </p:spPr>
+            <p:style>
+              <a:lnRef idx="2">
+                <a:schemeClr val="accent1">
+                  <a:shade val="15000"/>
+                </a:schemeClr>
+              </a:lnRef>
+              <a:fillRef idx="1">
+                <a:schemeClr val="accent1"/>
+              </a:fillRef>
+              <a:effectRef idx="0">
+                <a:schemeClr val="accent1"/>
+              </a:effectRef>
+              <a:fontRef idx="minor">
+                <a:schemeClr val="lt1"/>
+              </a:fontRef>
+            </p:style>
+          </p:cxnSp>
+        </p:grpSp>
+      </p:grpSp>
+      <p:cxnSp>
+        <p:nvCxnSpPr>
+          <p:cNvPr id="17" name="Connecteur droit 16">
+            <a:extLst>
+              <a:ext uri="{FF2B5EF4-FFF2-40B4-BE49-F238E27FC236}">
+                <a16:creationId xmlns:a16="http://schemas.microsoft.com/office/drawing/2014/main" id="{D7434381-190B-D116-E680-6570B3048061}"/>
+              </a:ext>
+            </a:extLst>
+          </p:cNvPr>
+          <p:cNvCxnSpPr>
+            <a:cxnSpLocks/>
+          </p:cNvCxnSpPr>
+          <p:nvPr/>
+        </p:nvCxnSpPr>
+        <p:spPr>
+          <a:xfrm flipH="1" flipV="1">
+            <a:off x="3913156" y="3194858"/>
+            <a:ext cx="180000" cy="90001"/>
+          </a:xfrm>
+          <a:prstGeom prst="line">
+            <a:avLst/>
+          </a:prstGeom>
+          <a:noFill/>
+          <a:ln w="28575">
+            <a:solidFill>
+              <a:schemeClr val="tx2"/>
+            </a:solidFill>
+          </a:ln>
+        </p:spPr>
+        <p:style>
+          <a:lnRef idx="2">
+            <a:schemeClr val="accent1">
+              <a:shade val="15000"/>
+            </a:schemeClr>
+          </a:lnRef>
+          <a:fillRef idx="1">
+            <a:schemeClr val="accent1"/>
+          </a:fillRef>
+          <a:effectRef idx="0">
+            <a:schemeClr val="accent1"/>
+          </a:effectRef>
+          <a:fontRef idx="minor">
+            <a:schemeClr val="lt1"/>
+          </a:fontRef>
+        </p:style>
+      </p:cxnSp>
+      <p:cxnSp>
+        <p:nvCxnSpPr>
+          <p:cNvPr id="42" name="Connecteur droit 41">
+            <a:extLst>
+              <a:ext uri="{FF2B5EF4-FFF2-40B4-BE49-F238E27FC236}">
+                <a16:creationId xmlns:a16="http://schemas.microsoft.com/office/drawing/2014/main" id="{AF96F179-EAF1-53FC-3792-900D83420CCD}"/>
+              </a:ext>
+            </a:extLst>
+          </p:cNvPr>
+          <p:cNvCxnSpPr>
+            <a:cxnSpLocks/>
+            <a:stCxn id="4" idx="2"/>
+            <a:endCxn id="4" idx="0"/>
+          </p:cNvCxnSpPr>
+          <p:nvPr/>
+        </p:nvCxnSpPr>
+        <p:spPr>
+          <a:xfrm>
+            <a:off x="3643156" y="2069712"/>
+            <a:ext cx="720000" cy="0"/>
+          </a:xfrm>
+          <a:prstGeom prst="line">
+            <a:avLst/>
+          </a:prstGeom>
+          <a:noFill/>
+          <a:ln w="28575">
+            <a:solidFill>
+              <a:srgbClr val="C00000"/>
+            </a:solidFill>
+            <a:headEnd type="stealth" w="med" len="lg"/>
+            <a:tailEnd type="stealth" w="med" len="lg"/>
+          </a:ln>
+        </p:spPr>
+        <p:style>
+          <a:lnRef idx="2">
+            <a:schemeClr val="accent1">
+              <a:shade val="15000"/>
+            </a:schemeClr>
+          </a:lnRef>
+          <a:fillRef idx="1">
+            <a:schemeClr val="accent1"/>
+          </a:fillRef>
+          <a:effectRef idx="0">
+            <a:schemeClr val="accent1"/>
+          </a:effectRef>
+          <a:fontRef idx="minor">
+            <a:schemeClr val="lt1"/>
+          </a:fontRef>
+        </p:style>
+      </p:cxnSp>
+      <p:grpSp>
+        <p:nvGrpSpPr>
+          <p:cNvPr id="50" name="Groupe 49">
+            <a:extLst>
+              <a:ext uri="{FF2B5EF4-FFF2-40B4-BE49-F238E27FC236}">
+                <a16:creationId xmlns:a16="http://schemas.microsoft.com/office/drawing/2014/main" id="{7B710662-979A-1972-AC01-BDF07FD98028}"/>
+              </a:ext>
+            </a:extLst>
+          </p:cNvPr>
+          <p:cNvGrpSpPr/>
+          <p:nvPr/>
+        </p:nvGrpSpPr>
+        <p:grpSpPr>
+          <a:xfrm>
+            <a:off x="4183156" y="2700598"/>
+            <a:ext cx="180000" cy="180000"/>
+            <a:chOff x="4667956" y="2942999"/>
+            <a:chExt cx="180000" cy="180000"/>
+          </a:xfrm>
+        </p:grpSpPr>
+        <p:cxnSp>
+          <p:nvCxnSpPr>
+            <p:cNvPr id="29" name="Connecteur droit 28">
+              <a:extLst>
+                <a:ext uri="{FF2B5EF4-FFF2-40B4-BE49-F238E27FC236}">
+                  <a16:creationId xmlns:a16="http://schemas.microsoft.com/office/drawing/2014/main" id="{E5EA5EEF-E0CC-121C-918B-01BEB15DEEFB}"/>
+                </a:ext>
+              </a:extLst>
+            </p:cNvPr>
+            <p:cNvCxnSpPr>
+              <a:cxnSpLocks/>
+            </p:cNvCxnSpPr>
+            <p:nvPr/>
+          </p:nvCxnSpPr>
+          <p:spPr>
+            <a:xfrm rot="5400000">
+              <a:off x="4757956" y="2941899"/>
+              <a:ext cx="0" cy="180000"/>
+            </a:xfrm>
+            <a:prstGeom prst="line">
+              <a:avLst/>
+            </a:prstGeom>
+            <a:noFill/>
+            <a:ln w="28575">
+              <a:solidFill>
+                <a:schemeClr val="tx2"/>
+              </a:solidFill>
+            </a:ln>
+          </p:spPr>
+          <p:style>
+            <a:lnRef idx="2">
+              <a:schemeClr val="accent1">
+                <a:shade val="15000"/>
+              </a:schemeClr>
+            </a:lnRef>
+            <a:fillRef idx="1">
+              <a:schemeClr val="accent1"/>
+            </a:fillRef>
+            <a:effectRef idx="0">
+              <a:schemeClr val="accent1"/>
+            </a:effectRef>
+            <a:fontRef idx="minor">
+              <a:schemeClr val="lt1"/>
+            </a:fontRef>
+          </p:style>
+        </p:cxnSp>
+        <p:cxnSp>
+          <p:nvCxnSpPr>
+            <p:cNvPr id="49" name="Connecteur droit 48">
+              <a:extLst>
+                <a:ext uri="{FF2B5EF4-FFF2-40B4-BE49-F238E27FC236}">
+                  <a16:creationId xmlns:a16="http://schemas.microsoft.com/office/drawing/2014/main" id="{AA1C1987-4378-FEA9-612D-39619AE9CE49}"/>
+                </a:ext>
+              </a:extLst>
+            </p:cNvPr>
+            <p:cNvCxnSpPr>
+              <a:cxnSpLocks/>
+            </p:cNvCxnSpPr>
+            <p:nvPr/>
+          </p:nvCxnSpPr>
+          <p:spPr>
+            <a:xfrm rot="5400000">
+              <a:off x="4577956" y="3032999"/>
+              <a:ext cx="180000" cy="0"/>
+            </a:xfrm>
+            <a:prstGeom prst="line">
+              <a:avLst/>
+            </a:prstGeom>
+            <a:noFill/>
+            <a:ln w="28575">
+              <a:solidFill>
+                <a:schemeClr val="tx2"/>
+              </a:solidFill>
+            </a:ln>
+          </p:spPr>
+          <p:style>
+            <a:lnRef idx="2">
+              <a:schemeClr val="accent1">
+                <a:shade val="15000"/>
+              </a:schemeClr>
+            </a:lnRef>
+            <a:fillRef idx="1">
+              <a:schemeClr val="accent1"/>
+            </a:fillRef>
+            <a:effectRef idx="0">
+              <a:schemeClr val="accent1"/>
+            </a:effectRef>
+            <a:fontRef idx="minor">
+              <a:schemeClr val="lt1"/>
+            </a:fontRef>
+          </p:style>
+        </p:cxnSp>
+      </p:grpSp>
+      <p:grpSp>
+        <p:nvGrpSpPr>
+          <p:cNvPr id="51" name="Groupe 50">
+            <a:extLst>
+              <a:ext uri="{FF2B5EF4-FFF2-40B4-BE49-F238E27FC236}">
+                <a16:creationId xmlns:a16="http://schemas.microsoft.com/office/drawing/2014/main" id="{7C959B94-8A0B-9C9F-C241-DA69C32B957F}"/>
+              </a:ext>
+            </a:extLst>
+          </p:cNvPr>
+          <p:cNvGrpSpPr/>
+          <p:nvPr/>
+        </p:nvGrpSpPr>
+        <p:grpSpPr>
+          <a:xfrm flipH="1">
+            <a:off x="3643156" y="2700598"/>
+            <a:ext cx="180000" cy="180000"/>
+            <a:chOff x="4667956" y="2942999"/>
+            <a:chExt cx="180000" cy="180000"/>
+          </a:xfrm>
+        </p:grpSpPr>
+        <p:cxnSp>
+          <p:nvCxnSpPr>
+            <p:cNvPr id="52" name="Connecteur droit 51">
+              <a:extLst>
+                <a:ext uri="{FF2B5EF4-FFF2-40B4-BE49-F238E27FC236}">
+                  <a16:creationId xmlns:a16="http://schemas.microsoft.com/office/drawing/2014/main" id="{7D9738A0-808F-EB32-F2F1-081BEB5924DF}"/>
+                </a:ext>
+              </a:extLst>
+            </p:cNvPr>
+            <p:cNvCxnSpPr>
+              <a:cxnSpLocks/>
+            </p:cNvCxnSpPr>
+            <p:nvPr/>
+          </p:nvCxnSpPr>
+          <p:spPr>
+            <a:xfrm rot="5400000">
+              <a:off x="4757956" y="2941899"/>
+              <a:ext cx="0" cy="180000"/>
+            </a:xfrm>
+            <a:prstGeom prst="line">
+              <a:avLst/>
+            </a:prstGeom>
+            <a:noFill/>
+            <a:ln w="28575">
+              <a:solidFill>
+                <a:schemeClr val="tx2"/>
+              </a:solidFill>
+            </a:ln>
+          </p:spPr>
+          <p:style>
+            <a:lnRef idx="2">
+              <a:schemeClr val="accent1">
+                <a:shade val="15000"/>
+              </a:schemeClr>
+            </a:lnRef>
+            <a:fillRef idx="1">
+              <a:schemeClr val="accent1"/>
+            </a:fillRef>
+            <a:effectRef idx="0">
+              <a:schemeClr val="accent1"/>
+            </a:effectRef>
+            <a:fontRef idx="minor">
+              <a:schemeClr val="lt1"/>
+            </a:fontRef>
+          </p:style>
+        </p:cxnSp>
+        <p:cxnSp>
+          <p:nvCxnSpPr>
+            <p:cNvPr id="53" name="Connecteur droit 52">
+              <a:extLst>
+                <a:ext uri="{FF2B5EF4-FFF2-40B4-BE49-F238E27FC236}">
+                  <a16:creationId xmlns:a16="http://schemas.microsoft.com/office/drawing/2014/main" id="{AAFA9A60-9901-157C-4A63-E6C43EE2BE9F}"/>
+                </a:ext>
+              </a:extLst>
+            </p:cNvPr>
+            <p:cNvCxnSpPr>
+              <a:cxnSpLocks/>
+            </p:cNvCxnSpPr>
+            <p:nvPr/>
+          </p:nvCxnSpPr>
+          <p:spPr>
+            <a:xfrm rot="5400000">
+              <a:off x="4577956" y="3032999"/>
+              <a:ext cx="180000" cy="0"/>
+            </a:xfrm>
+            <a:prstGeom prst="line">
+              <a:avLst/>
+            </a:prstGeom>
+            <a:noFill/>
+            <a:ln w="28575">
+              <a:solidFill>
+                <a:schemeClr val="tx2"/>
+              </a:solidFill>
+            </a:ln>
+          </p:spPr>
+          <p:style>
+            <a:lnRef idx="2">
+              <a:schemeClr val="accent1">
+                <a:shade val="15000"/>
+              </a:schemeClr>
+            </a:lnRef>
+            <a:fillRef idx="1">
+              <a:schemeClr val="accent1"/>
+            </a:fillRef>
+            <a:effectRef idx="0">
+              <a:schemeClr val="accent1"/>
+            </a:effectRef>
+            <a:fontRef idx="minor">
+              <a:schemeClr val="lt1"/>
+            </a:fontRef>
+          </p:style>
+        </p:cxnSp>
+      </p:grpSp>
+      <p:cxnSp>
+        <p:nvCxnSpPr>
+          <p:cNvPr id="54" name="Connecteur droit 53">
+            <a:extLst>
+              <a:ext uri="{FF2B5EF4-FFF2-40B4-BE49-F238E27FC236}">
+                <a16:creationId xmlns:a16="http://schemas.microsoft.com/office/drawing/2014/main" id="{DDFC1BCD-9A93-B2AE-4391-7FBFC893A0F2}"/>
+              </a:ext>
+            </a:extLst>
+          </p:cNvPr>
+          <p:cNvCxnSpPr>
+            <a:cxnSpLocks/>
+          </p:cNvCxnSpPr>
+          <p:nvPr/>
+        </p:nvCxnSpPr>
+        <p:spPr>
+          <a:xfrm flipH="1">
+            <a:off x="4183156" y="1594332"/>
+            <a:ext cx="1269377" cy="0"/>
+          </a:xfrm>
+          <a:prstGeom prst="line">
+            <a:avLst/>
+          </a:prstGeom>
+          <a:noFill/>
+          <a:ln w="12700">
+            <a:solidFill>
+              <a:schemeClr val="tx2"/>
+            </a:solidFill>
+            <a:headEnd type="none" w="med" len="med"/>
+            <a:tailEnd type="stealth" w="med" len="lg"/>
+          </a:ln>
+        </p:spPr>
+        <p:style>
+          <a:lnRef idx="2">
+            <a:schemeClr val="accent1">
+              <a:shade val="15000"/>
+            </a:schemeClr>
+          </a:lnRef>
+          <a:fillRef idx="1">
+            <a:schemeClr val="accent1"/>
+          </a:fillRef>
+          <a:effectRef idx="0">
+            <a:schemeClr val="accent1"/>
+          </a:effectRef>
+          <a:fontRef idx="minor">
+            <a:schemeClr val="lt1"/>
+          </a:fontRef>
+        </p:style>
+      </p:cxnSp>
+      <p:sp>
+        <p:nvSpPr>
+          <p:cNvPr id="57" name="ZoneTexte 56">
+            <a:extLst>
+              <a:ext uri="{FF2B5EF4-FFF2-40B4-BE49-F238E27FC236}">
+                <a16:creationId xmlns:a16="http://schemas.microsoft.com/office/drawing/2014/main" id="{74AEBED9-2966-E4BC-80EB-2BC17B0C5CB8}"/>
+              </a:ext>
+            </a:extLst>
+          </p:cNvPr>
+          <p:cNvSpPr txBox="1"/>
+          <p:nvPr/>
+        </p:nvSpPr>
+        <p:spPr>
+          <a:xfrm>
+            <a:off x="5240149" y="1260637"/>
+            <a:ext cx="1590722" cy="646331"/>
+          </a:xfrm>
+          <a:prstGeom prst="rect">
+            <a:avLst/>
+          </a:prstGeom>
+          <a:noFill/>
+        </p:spPr>
+        <p:txBody>
+          <a:bodyPr wrap="square" rtlCol="0">
+            <a:spAutoFit/>
+          </a:bodyPr>
+          <a:lstStyle/>
+          <a:p>
+            <a:pPr algn="ctr"/>
+            <a:r>
+              <a:rPr lang="fr-FR" sz="1200" dirty="0"/>
+              <a:t>Retour en position automatique du distributeur</a:t>
+            </a:r>
+          </a:p>
+        </p:txBody>
+      </p:sp>
+      <p:cxnSp>
+        <p:nvCxnSpPr>
+          <p:cNvPr id="58" name="Connecteur droit 57">
+            <a:extLst>
+              <a:ext uri="{FF2B5EF4-FFF2-40B4-BE49-F238E27FC236}">
+                <a16:creationId xmlns:a16="http://schemas.microsoft.com/office/drawing/2014/main" id="{A4F3B4F1-79BE-63A8-C752-A22A2B0A6A21}"/>
+              </a:ext>
+            </a:extLst>
+          </p:cNvPr>
+          <p:cNvCxnSpPr>
+            <a:cxnSpLocks/>
+          </p:cNvCxnSpPr>
+          <p:nvPr/>
+        </p:nvCxnSpPr>
+        <p:spPr>
+          <a:xfrm flipH="1">
+            <a:off x="4183156" y="3284859"/>
+            <a:ext cx="1269377" cy="0"/>
+          </a:xfrm>
+          <a:prstGeom prst="line">
+            <a:avLst/>
+          </a:prstGeom>
+          <a:noFill/>
+          <a:ln w="12700">
+            <a:solidFill>
+              <a:schemeClr val="tx2"/>
+            </a:solidFill>
+            <a:headEnd type="none" w="med" len="med"/>
+            <a:tailEnd type="stealth" w="med" len="lg"/>
+          </a:ln>
+        </p:spPr>
+        <p:style>
+          <a:lnRef idx="2">
+            <a:schemeClr val="accent1">
+              <a:shade val="15000"/>
+            </a:schemeClr>
+          </a:lnRef>
+          <a:fillRef idx="1">
+            <a:schemeClr val="accent1"/>
+          </a:fillRef>
+          <a:effectRef idx="0">
+            <a:schemeClr val="accent1"/>
+          </a:effectRef>
+          <a:fontRef idx="minor">
+            <a:schemeClr val="lt1"/>
+          </a:fontRef>
+        </p:style>
+      </p:cxnSp>
+      <p:sp>
+        <p:nvSpPr>
+          <p:cNvPr id="59" name="ZoneTexte 58">
+            <a:extLst>
+              <a:ext uri="{FF2B5EF4-FFF2-40B4-BE49-F238E27FC236}">
+                <a16:creationId xmlns:a16="http://schemas.microsoft.com/office/drawing/2014/main" id="{C2A4B6E4-5F03-9952-E33A-FDC9F26F8B8B}"/>
+              </a:ext>
+            </a:extLst>
+          </p:cNvPr>
+          <p:cNvSpPr txBox="1"/>
+          <p:nvPr/>
+        </p:nvSpPr>
+        <p:spPr>
+          <a:xfrm>
+            <a:off x="5252080" y="3054026"/>
+            <a:ext cx="1590722" cy="461665"/>
+          </a:xfrm>
+          <a:prstGeom prst="rect">
+            <a:avLst/>
+          </a:prstGeom>
+          <a:noFill/>
+        </p:spPr>
+        <p:txBody>
+          <a:bodyPr wrap="square" rtlCol="0">
+            <a:spAutoFit/>
+          </a:bodyPr>
+          <a:lstStyle/>
+          <a:p>
+            <a:pPr algn="ctr"/>
+            <a:r>
+              <a:rPr lang="fr-FR" sz="1200" dirty="0"/>
+              <a:t>Commande électrique du distributeur</a:t>
+            </a:r>
+          </a:p>
+        </p:txBody>
+      </p:sp>
+    </p:spTree>
+    <p:extLst>
+      <p:ext uri="{BB962C8B-B14F-4D97-AF65-F5344CB8AC3E}">
+        <p14:creationId xmlns:p14="http://schemas.microsoft.com/office/powerpoint/2010/main" val="1581139447"/>
       </p:ext>
     </p:extLst>
   </p:cSld>
